--- a/pre-project/Wireframe & ERD_Live Poll.pptx
+++ b/pre-project/Wireframe & ERD_Live Poll.pptx
@@ -302,7 +302,7 @@
           <a:p>
             <a:fld id="{C81EE1BA-FB1A-437E-8976-5A86A811BB86}" type="datetimeFigureOut">
               <a:rPr lang="en-SG" smtClean="0"/>
-              <a:t>4/4/2018</a:t>
+              <a:t>9/4/2018</a:t>
             </a:fld>
             <a:endParaRPr lang="en-SG"/>
           </a:p>
@@ -502,7 +502,7 @@
           <a:p>
             <a:fld id="{C81EE1BA-FB1A-437E-8976-5A86A811BB86}" type="datetimeFigureOut">
               <a:rPr lang="en-SG" smtClean="0"/>
-              <a:t>4/4/2018</a:t>
+              <a:t>9/4/2018</a:t>
             </a:fld>
             <a:endParaRPr lang="en-SG"/>
           </a:p>
@@ -712,7 +712,7 @@
           <a:p>
             <a:fld id="{C81EE1BA-FB1A-437E-8976-5A86A811BB86}" type="datetimeFigureOut">
               <a:rPr lang="en-SG" smtClean="0"/>
-              <a:t>4/4/2018</a:t>
+              <a:t>9/4/2018</a:t>
             </a:fld>
             <a:endParaRPr lang="en-SG"/>
           </a:p>
@@ -912,7 +912,7 @@
           <a:p>
             <a:fld id="{C81EE1BA-FB1A-437E-8976-5A86A811BB86}" type="datetimeFigureOut">
               <a:rPr lang="en-SG" smtClean="0"/>
-              <a:t>4/4/2018</a:t>
+              <a:t>9/4/2018</a:t>
             </a:fld>
             <a:endParaRPr lang="en-SG"/>
           </a:p>
@@ -1188,7 +1188,7 @@
           <a:p>
             <a:fld id="{C81EE1BA-FB1A-437E-8976-5A86A811BB86}" type="datetimeFigureOut">
               <a:rPr lang="en-SG" smtClean="0"/>
-              <a:t>4/4/2018</a:t>
+              <a:t>9/4/2018</a:t>
             </a:fld>
             <a:endParaRPr lang="en-SG"/>
           </a:p>
@@ -1456,7 +1456,7 @@
           <a:p>
             <a:fld id="{C81EE1BA-FB1A-437E-8976-5A86A811BB86}" type="datetimeFigureOut">
               <a:rPr lang="en-SG" smtClean="0"/>
-              <a:t>4/4/2018</a:t>
+              <a:t>9/4/2018</a:t>
             </a:fld>
             <a:endParaRPr lang="en-SG"/>
           </a:p>
@@ -1871,7 +1871,7 @@
           <a:p>
             <a:fld id="{C81EE1BA-FB1A-437E-8976-5A86A811BB86}" type="datetimeFigureOut">
               <a:rPr lang="en-SG" smtClean="0"/>
-              <a:t>4/4/2018</a:t>
+              <a:t>9/4/2018</a:t>
             </a:fld>
             <a:endParaRPr lang="en-SG"/>
           </a:p>
@@ -2013,7 +2013,7 @@
           <a:p>
             <a:fld id="{C81EE1BA-FB1A-437E-8976-5A86A811BB86}" type="datetimeFigureOut">
               <a:rPr lang="en-SG" smtClean="0"/>
-              <a:t>4/4/2018</a:t>
+              <a:t>9/4/2018</a:t>
             </a:fld>
             <a:endParaRPr lang="en-SG"/>
           </a:p>
@@ -2126,7 +2126,7 @@
           <a:p>
             <a:fld id="{C81EE1BA-FB1A-437E-8976-5A86A811BB86}" type="datetimeFigureOut">
               <a:rPr lang="en-SG" smtClean="0"/>
-              <a:t>4/4/2018</a:t>
+              <a:t>9/4/2018</a:t>
             </a:fld>
             <a:endParaRPr lang="en-SG"/>
           </a:p>
@@ -2439,7 +2439,7 @@
           <a:p>
             <a:fld id="{C81EE1BA-FB1A-437E-8976-5A86A811BB86}" type="datetimeFigureOut">
               <a:rPr lang="en-SG" smtClean="0"/>
-              <a:t>4/4/2018</a:t>
+              <a:t>9/4/2018</a:t>
             </a:fld>
             <a:endParaRPr lang="en-SG"/>
           </a:p>
@@ -2728,7 +2728,7 @@
           <a:p>
             <a:fld id="{C81EE1BA-FB1A-437E-8976-5A86A811BB86}" type="datetimeFigureOut">
               <a:rPr lang="en-SG" smtClean="0"/>
-              <a:t>4/4/2018</a:t>
+              <a:t>9/4/2018</a:t>
             </a:fld>
             <a:endParaRPr lang="en-SG"/>
           </a:p>
@@ -2971,7 +2971,7 @@
           <a:p>
             <a:fld id="{C81EE1BA-FB1A-437E-8976-5A86A811BB86}" type="datetimeFigureOut">
               <a:rPr lang="en-SG" smtClean="0"/>
-              <a:t>4/4/2018</a:t>
+              <a:t>9/4/2018</a:t>
             </a:fld>
             <a:endParaRPr lang="en-SG"/>
           </a:p>
@@ -5869,14 +5869,14 @@
           <p:nvPr>
             <p:extLst>
               <p:ext uri="{D42A27DB-BD31-4B8C-83A1-F6EECF244321}">
-                <p14:modId xmlns:p14="http://schemas.microsoft.com/office/powerpoint/2010/main" val="3492548689"/>
+                <p14:modId xmlns:p14="http://schemas.microsoft.com/office/powerpoint/2010/main" val="1595693033"/>
               </p:ext>
             </p:extLst>
           </p:nvPr>
         </p:nvGraphicFramePr>
         <p:xfrm>
           <a:off x="484837" y="2510041"/>
-          <a:ext cx="4203541" cy="1478280"/>
+          <a:ext cx="4187831" cy="1478280"/>
         </p:xfrm>
         <a:graphic>
           <a:graphicData uri="http://schemas.openxmlformats.org/drawingml/2006/table">
@@ -5885,17 +5885,10 @@
                 <a:tableStyleId>{5C22544A-7EE6-4342-B048-85BDC9FD1C3A}</a:tableStyleId>
               </a:tblPr>
               <a:tblGrid>
-                <a:gridCol w="3039759">
+                <a:gridCol w="4187831">
                   <a:extLst>
                     <a:ext uri="{9D8B030D-6E8A-4147-A177-3AD203B41FA5}">
                       <a16:colId xmlns:a16="http://schemas.microsoft.com/office/drawing/2014/main" val="458625554"/>
-                    </a:ext>
-                  </a:extLst>
-                </a:gridCol>
-                <a:gridCol w="1163782">
-                  <a:extLst>
-                    <a:ext uri="{9D8B030D-6E8A-4147-A177-3AD203B41FA5}">
-                      <a16:colId xmlns:a16="http://schemas.microsoft.com/office/drawing/2014/main" val="1520146453"/>
                     </a:ext>
                   </a:extLst>
                 </a:gridCol>
@@ -5909,19 +5902,6 @@
                       <a:r>
                         <a:rPr lang="en-SG" dirty="0"/>
                         <a:t>Poll Questions</a:t>
-                      </a:r>
-                    </a:p>
-                  </a:txBody>
-                  <a:tcPr/>
-                </a:tc>
-                <a:tc>
-                  <a:txBody>
-                    <a:bodyPr/>
-                    <a:lstStyle/>
-                    <a:p>
-                      <a:r>
-                        <a:rPr lang="en-SG" dirty="0"/>
-                        <a:t>Response</a:t>
                       </a:r>
                     </a:p>
                   </a:txBody>
@@ -5953,16 +5933,6 @@
                   </a:txBody>
                   <a:tcPr/>
                 </a:tc>
-                <a:tc>
-                  <a:txBody>
-                    <a:bodyPr/>
-                    <a:lstStyle/>
-                    <a:p>
-                      <a:endParaRPr lang="en-SG"/>
-                    </a:p>
-                  </a:txBody>
-                  <a:tcPr/>
-                </a:tc>
                 <a:extLst>
                   <a:ext uri="{0D108BD9-81ED-4DB2-BD59-A6C34878D82A}">
                     <a16:rowId xmlns:a16="http://schemas.microsoft.com/office/drawing/2014/main" val="3429994430"/>
@@ -5989,16 +5959,6 @@
                   </a:txBody>
                   <a:tcPr/>
                 </a:tc>
-                <a:tc>
-                  <a:txBody>
-                    <a:bodyPr/>
-                    <a:lstStyle/>
-                    <a:p>
-                      <a:endParaRPr lang="en-SG"/>
-                    </a:p>
-                  </a:txBody>
-                  <a:tcPr/>
-                </a:tc>
                 <a:extLst>
                   <a:ext uri="{0D108BD9-81ED-4DB2-BD59-A6C34878D82A}">
                     <a16:rowId xmlns:a16="http://schemas.microsoft.com/office/drawing/2014/main" val="950446661"/>
@@ -6021,16 +5981,6 @@
                         </a:rPr>
                         <a:t>Q3</a:t>
                       </a:r>
-                    </a:p>
-                  </a:txBody>
-                  <a:tcPr/>
-                </a:tc>
-                <a:tc>
-                  <a:txBody>
-                    <a:bodyPr/>
-                    <a:lstStyle/>
-                    <a:p>
-                      <a:endParaRPr lang="en-SG" dirty="0"/>
                     </a:p>
                   </a:txBody>
                   <a:tcPr/>
